--- a/29_1848as_pesti_forradalom_és_az áprilisi_törvények.pptx
+++ b/29_1848as_pesti_forradalom_és_az áprilisi_törvények.pptx
@@ -7320,7 +7320,16 @@
                 </a:solidFill>
                 <a:effectLst/>
               </a:rPr>
-              <a:t>1. Pilvax-kávéház (7:00)</a:t>
+              <a:t>1. Pilvax-kávéház (</a:t>
+            </a:r>
+            <a:r>
+              <a:rPr lang="hu-HU" b="1" i="0">
+                <a:solidFill>
+                  <a:srgbClr val="1F1F1F"/>
+                </a:solidFill>
+                <a:effectLst/>
+              </a:rPr>
+              <a:t>7:00) </a:t>
             </a:r>
             <a:endParaRPr lang="hu-HU" b="0" i="0" dirty="0">
               <a:solidFill>
